--- a/Figures/Chapter_04/Figures/Figure_4.7.pptx
+++ b/Figures/Chapter_04/Figures/Figure_4.7.pptx
@@ -259,7 +259,7 @@
           <a:p>
             <a:fld id="{3442396E-B844-4225-973C-CCFF02F8A753}" type="datetimeFigureOut">
               <a:rPr lang="es-ES" smtClean="0"/>
-              <a:t>17/09/2022</a:t>
+              <a:t>10/07/2023</a:t>
             </a:fld>
             <a:endParaRPr lang="es-ES"/>
           </a:p>
@@ -457,7 +457,7 @@
           <a:p>
             <a:fld id="{3442396E-B844-4225-973C-CCFF02F8A753}" type="datetimeFigureOut">
               <a:rPr lang="es-ES" smtClean="0"/>
-              <a:t>17/09/2022</a:t>
+              <a:t>10/07/2023</a:t>
             </a:fld>
             <a:endParaRPr lang="es-ES"/>
           </a:p>
@@ -665,7 +665,7 @@
           <a:p>
             <a:fld id="{3442396E-B844-4225-973C-CCFF02F8A753}" type="datetimeFigureOut">
               <a:rPr lang="es-ES" smtClean="0"/>
-              <a:t>17/09/2022</a:t>
+              <a:t>10/07/2023</a:t>
             </a:fld>
             <a:endParaRPr lang="es-ES"/>
           </a:p>
@@ -863,7 +863,7 @@
           <a:p>
             <a:fld id="{3442396E-B844-4225-973C-CCFF02F8A753}" type="datetimeFigureOut">
               <a:rPr lang="es-ES" smtClean="0"/>
-              <a:t>17/09/2022</a:t>
+              <a:t>10/07/2023</a:t>
             </a:fld>
             <a:endParaRPr lang="es-ES"/>
           </a:p>
@@ -1138,7 +1138,7 @@
           <a:p>
             <a:fld id="{3442396E-B844-4225-973C-CCFF02F8A753}" type="datetimeFigureOut">
               <a:rPr lang="es-ES" smtClean="0"/>
-              <a:t>17/09/2022</a:t>
+              <a:t>10/07/2023</a:t>
             </a:fld>
             <a:endParaRPr lang="es-ES"/>
           </a:p>
@@ -1403,7 +1403,7 @@
           <a:p>
             <a:fld id="{3442396E-B844-4225-973C-CCFF02F8A753}" type="datetimeFigureOut">
               <a:rPr lang="es-ES" smtClean="0"/>
-              <a:t>17/09/2022</a:t>
+              <a:t>10/07/2023</a:t>
             </a:fld>
             <a:endParaRPr lang="es-ES"/>
           </a:p>
@@ -1815,7 +1815,7 @@
           <a:p>
             <a:fld id="{3442396E-B844-4225-973C-CCFF02F8A753}" type="datetimeFigureOut">
               <a:rPr lang="es-ES" smtClean="0"/>
-              <a:t>17/09/2022</a:t>
+              <a:t>10/07/2023</a:t>
             </a:fld>
             <a:endParaRPr lang="es-ES"/>
           </a:p>
@@ -1956,7 +1956,7 @@
           <a:p>
             <a:fld id="{3442396E-B844-4225-973C-CCFF02F8A753}" type="datetimeFigureOut">
               <a:rPr lang="es-ES" smtClean="0"/>
-              <a:t>17/09/2022</a:t>
+              <a:t>10/07/2023</a:t>
             </a:fld>
             <a:endParaRPr lang="es-ES"/>
           </a:p>
@@ -2069,7 +2069,7 @@
           <a:p>
             <a:fld id="{3442396E-B844-4225-973C-CCFF02F8A753}" type="datetimeFigureOut">
               <a:rPr lang="es-ES" smtClean="0"/>
-              <a:t>17/09/2022</a:t>
+              <a:t>10/07/2023</a:t>
             </a:fld>
             <a:endParaRPr lang="es-ES"/>
           </a:p>
@@ -2380,7 +2380,7 @@
           <a:p>
             <a:fld id="{3442396E-B844-4225-973C-CCFF02F8A753}" type="datetimeFigureOut">
               <a:rPr lang="es-ES" smtClean="0"/>
-              <a:t>17/09/2022</a:t>
+              <a:t>10/07/2023</a:t>
             </a:fld>
             <a:endParaRPr lang="es-ES"/>
           </a:p>
@@ -2668,7 +2668,7 @@
           <a:p>
             <a:fld id="{3442396E-B844-4225-973C-CCFF02F8A753}" type="datetimeFigureOut">
               <a:rPr lang="es-ES" smtClean="0"/>
-              <a:t>17/09/2022</a:t>
+              <a:t>10/07/2023</a:t>
             </a:fld>
             <a:endParaRPr lang="es-ES"/>
           </a:p>
@@ -2909,7 +2909,7 @@
           <a:p>
             <a:fld id="{3442396E-B844-4225-973C-CCFF02F8A753}" type="datetimeFigureOut">
               <a:rPr lang="es-ES" smtClean="0"/>
-              <a:t>17/09/2022</a:t>
+              <a:t>10/07/2023</a:t>
             </a:fld>
             <a:endParaRPr lang="es-ES"/>
           </a:p>
@@ -3408,8 +3408,8 @@
           </a:p>
         </p:txBody>
       </p:sp>
-      <mc:AlternateContent xmlns:mc="http://schemas.openxmlformats.org/markup-compatibility/2006" xmlns:a14="http://schemas.microsoft.com/office/drawing/2010/main">
-        <mc:Choice Requires="a14">
+      <mc:AlternateContent xmlns:mc="http://schemas.openxmlformats.org/markup-compatibility/2006">
+        <mc:Choice xmlns:a14="http://schemas.microsoft.com/office/drawing/2010/main" Requires="a14">
           <p:sp>
             <p:nvSpPr>
               <p:cNvPr id="217" name="CuadroTexto 216">
@@ -3425,7 +3425,7 @@
             <p:spPr>
               <a:xfrm>
                 <a:off x="1545444" y="2303199"/>
-                <a:ext cx="2207463" cy="651076"/>
+                <a:ext cx="2207464" cy="651076"/>
               </a:xfrm>
               <a:prstGeom prst="rect">
                 <a:avLst/>
@@ -3756,7 +3756,7 @@
                                       <a:ea typeface="+mn-ea"/>
                                       <a:cs typeface="+mn-cs"/>
                                     </a:rPr>
-                                    <m:t>−</m:t>
+                                    <m:t>+</m:t>
                                   </m:r>
                                   <m:r>
                                     <a:rPr kumimoji="0" lang="es-ES" sz="1400" b="0" i="1" u="none" strike="noStrike" kern="1200" cap="none" spc="0" normalizeH="0" baseline="0" noProof="0" smtClean="0">
@@ -4246,7 +4246,7 @@
                                 <m:t>𝑉</m:t>
                               </m:r>
                               <m:r>
-                                <a:rPr kumimoji="0" lang="es-ES" sz="1400" b="0" i="1" u="none" strike="noStrike" kern="1200" cap="none" spc="0" normalizeH="0" baseline="0" noProof="0">
+                                <a:rPr kumimoji="0" lang="es-ES" sz="1400" b="0" i="1" u="none" strike="noStrike" kern="1200" cap="none" spc="0" normalizeH="0" baseline="0" noProof="0" smtClean="0">
                                   <a:ln>
                                     <a:noFill/>
                                   </a:ln>
@@ -4257,10 +4257,10 @@
                                   <a:uLnTx/>
                                   <a:uFillTx/>
                                   <a:latin typeface="Cambria Math" panose="02040503050406030204" pitchFamily="18" charset="0"/>
-                                  <a:ea typeface="+mn-ea"/>
-                                  <a:cs typeface="+mn-cs"/>
+                                  <a:ea typeface="Calibri" panose="020F0502020204030204" pitchFamily="34" charset="0"/>
+                                  <a:cs typeface="Times New Roman" panose="02020603050405020304" pitchFamily="18" charset="0"/>
                                 </a:rPr>
-                                <m:t>−</m:t>
+                                <m:t>+</m:t>
                               </m:r>
                               <m:r>
                                 <a:rPr kumimoji="0" lang="es-ES" sz="1400" b="0" i="1" u="none" strike="noStrike" kern="1200" cap="none" spc="0" normalizeH="0" baseline="0" noProof="0">
@@ -4432,7 +4432,7 @@
             </p:txBody>
           </p:sp>
         </mc:Choice>
-        <mc:Fallback xmlns="">
+        <mc:Fallback>
           <p:sp>
             <p:nvSpPr>
               <p:cNvPr id="217" name="CuadroTexto 216">
@@ -4450,13 +4450,13 @@
             <p:spPr>
               <a:xfrm>
                 <a:off x="1545444" y="2303199"/>
-                <a:ext cx="2207463" cy="651076"/>
+                <a:ext cx="2207464" cy="651076"/>
               </a:xfrm>
               <a:prstGeom prst="rect">
                 <a:avLst/>
               </a:prstGeom>
               <a:blipFill>
-                <a:blip r:embed="rId3"/>
+                <a:blip r:embed="rId2"/>
                 <a:stretch>
                   <a:fillRect l="-1381" t="-1869" r="-2210" b="-9346"/>
                 </a:stretch>
@@ -4467,7 +4467,7 @@
               <a:lstStyle/>
               <a:p>
                 <a:r>
-                  <a:rPr lang="es-ES">
+                  <a:rPr lang="en-US">
                     <a:noFill/>
                   </a:rPr>
                   <a:t> </a:t>
